--- a/Kia_HyundaiThefts/KiaHyundaiThefts.pptx
+++ b/Kia_HyundaiThefts/KiaHyundaiThefts.pptx
@@ -267,7 +267,7 @@
           <a:p>
             <a:fld id="{C814B6C0-49F2-7843-BEF0-7A095E920CA0}" type="datetimeFigureOut">
               <a:rPr lang="en-US" smtClean="0"/>
-              <a:t>9/29/25</a:t>
+              <a:t>11/15/25</a:t>
             </a:fld>
             <a:endParaRPr lang="en-US"/>
           </a:p>
@@ -465,7 +465,7 @@
           <a:p>
             <a:fld id="{C814B6C0-49F2-7843-BEF0-7A095E920CA0}" type="datetimeFigureOut">
               <a:rPr lang="en-US" smtClean="0"/>
-              <a:t>9/29/25</a:t>
+              <a:t>11/15/25</a:t>
             </a:fld>
             <a:endParaRPr lang="en-US"/>
           </a:p>
@@ -673,7 +673,7 @@
           <a:p>
             <a:fld id="{C814B6C0-49F2-7843-BEF0-7A095E920CA0}" type="datetimeFigureOut">
               <a:rPr lang="en-US" smtClean="0"/>
-              <a:t>9/29/25</a:t>
+              <a:t>11/15/25</a:t>
             </a:fld>
             <a:endParaRPr lang="en-US"/>
           </a:p>
@@ -871,7 +871,7 @@
           <a:p>
             <a:fld id="{C814B6C0-49F2-7843-BEF0-7A095E920CA0}" type="datetimeFigureOut">
               <a:rPr lang="en-US" smtClean="0"/>
-              <a:t>9/29/25</a:t>
+              <a:t>11/15/25</a:t>
             </a:fld>
             <a:endParaRPr lang="en-US"/>
           </a:p>
@@ -1146,7 +1146,7 @@
           <a:p>
             <a:fld id="{C814B6C0-49F2-7843-BEF0-7A095E920CA0}" type="datetimeFigureOut">
               <a:rPr lang="en-US" smtClean="0"/>
-              <a:t>9/29/25</a:t>
+              <a:t>11/15/25</a:t>
             </a:fld>
             <a:endParaRPr lang="en-US"/>
           </a:p>
@@ -1411,7 +1411,7 @@
           <a:p>
             <a:fld id="{C814B6C0-49F2-7843-BEF0-7A095E920CA0}" type="datetimeFigureOut">
               <a:rPr lang="en-US" smtClean="0"/>
-              <a:t>9/29/25</a:t>
+              <a:t>11/15/25</a:t>
             </a:fld>
             <a:endParaRPr lang="en-US"/>
           </a:p>
@@ -1823,7 +1823,7 @@
           <a:p>
             <a:fld id="{C814B6C0-49F2-7843-BEF0-7A095E920CA0}" type="datetimeFigureOut">
               <a:rPr lang="en-US" smtClean="0"/>
-              <a:t>9/29/25</a:t>
+              <a:t>11/15/25</a:t>
             </a:fld>
             <a:endParaRPr lang="en-US"/>
           </a:p>
@@ -1964,7 +1964,7 @@
           <a:p>
             <a:fld id="{C814B6C0-49F2-7843-BEF0-7A095E920CA0}" type="datetimeFigureOut">
               <a:rPr lang="en-US" smtClean="0"/>
-              <a:t>9/29/25</a:t>
+              <a:t>11/15/25</a:t>
             </a:fld>
             <a:endParaRPr lang="en-US"/>
           </a:p>
@@ -2077,7 +2077,7 @@
           <a:p>
             <a:fld id="{C814B6C0-49F2-7843-BEF0-7A095E920CA0}" type="datetimeFigureOut">
               <a:rPr lang="en-US" smtClean="0"/>
-              <a:t>9/29/25</a:t>
+              <a:t>11/15/25</a:t>
             </a:fld>
             <a:endParaRPr lang="en-US"/>
           </a:p>
@@ -2388,7 +2388,7 @@
           <a:p>
             <a:fld id="{C814B6C0-49F2-7843-BEF0-7A095E920CA0}" type="datetimeFigureOut">
               <a:rPr lang="en-US" smtClean="0"/>
-              <a:t>9/29/25</a:t>
+              <a:t>11/15/25</a:t>
             </a:fld>
             <a:endParaRPr lang="en-US"/>
           </a:p>
@@ -2676,7 +2676,7 @@
           <a:p>
             <a:fld id="{C814B6C0-49F2-7843-BEF0-7A095E920CA0}" type="datetimeFigureOut">
               <a:rPr lang="en-US" smtClean="0"/>
-              <a:t>9/29/25</a:t>
+              <a:t>11/15/25</a:t>
             </a:fld>
             <a:endParaRPr lang="en-US"/>
           </a:p>
@@ -2917,7 +2917,7 @@
           <a:p>
             <a:fld id="{C814B6C0-49F2-7843-BEF0-7A095E920CA0}" type="datetimeFigureOut">
               <a:rPr lang="en-US" smtClean="0"/>
-              <a:t>9/29/25</a:t>
+              <a:t>11/15/25</a:t>
             </a:fld>
             <a:endParaRPr lang="en-US"/>
           </a:p>
@@ -3597,24 +3597,6 @@
                 <a:srgbClr val="002060"/>
               </a:solidFill>
             </a:endParaRPr>
-          </a:p>
-          <a:p>
-            <a:pPr>
-              <a:lnSpc>
-                <a:spcPct val="90000"/>
-              </a:lnSpc>
-              <a:spcAft>
-                <a:spcPts val="600"/>
-              </a:spcAft>
-            </a:pPr>
-            <a:r>
-              <a:rPr lang="en-US" sz="2200" dirty="0">
-                <a:solidFill>
-                  <a:srgbClr val="002060"/>
-                </a:solidFill>
-              </a:rPr>
-              <a:t>Billie Adkins</a:t>
-            </a:r>
           </a:p>
           <a:p>
             <a:pPr>
